--- a/teknisk prøve.pptx
+++ b/teknisk prøve.pptx
@@ -13405,7 +13405,7 @@
         <p:spPr/>
         <p:txBody>
           <a:bodyPr>
-            <a:normAutofit/>
+            <a:normAutofit fontScale="92500" lnSpcReduction="10000"/>
           </a:bodyPr>
           <a:lstStyle/>
           <a:p>
@@ -13419,6 +13419,13 @@
             <a:r>
               <a:rPr lang="da-DK" dirty="0"/>
               <a:t>Visning af distrikter med butikker og sælgere</a:t>
+            </a:r>
+          </a:p>
+          <a:p>
+            <a:pPr lvl="1"/>
+            <a:r>
+              <a:rPr lang="da-DK" dirty="0"/>
+              <a:t>Tilknyt fra og til af sælger</a:t>
             </a:r>
           </a:p>
           <a:p>
@@ -13634,21 +13641,16 @@
             </a:r>
             <a:r>
               <a:rPr lang="da-DK" dirty="0"/>
-              <a:t>/             - Opdater </a:t>
+              <a:t>/             - Opdater sælger i </a:t>
             </a:r>
             <a:r>
               <a:rPr lang="da-DK" dirty="0" err="1"/>
-              <a:t>primary</a:t>
+              <a:t>distrukt</a:t>
             </a:r>
             <a:r>
               <a:rPr lang="da-DK" dirty="0"/>
-              <a:t> sælger i </a:t>
-            </a:r>
-            <a:r>
-              <a:rPr lang="da-DK" dirty="0" err="1"/>
-              <a:t>distrkt</a:t>
-            </a:r>
-            <a:endParaRPr lang="da-DK" dirty="0"/>
+              <a:t> (F. eks primær)</a:t>
+            </a:r>
           </a:p>
           <a:p>
             <a:r>
